--- a/posts/MeatVsPlansCVD/slides.pptx
+++ b/posts/MeatVsPlansCVD/slides.pptx
@@ -4716,7 +4716,7 @@
           <p:nvPr/>
         </p:nvCxnSpPr>
         <p:spPr bwMode="auto">
-          <a:xfrm rot="10799955" flipH="1" flipV="0">
+          <a:xfrm rot="10799953" flipH="1" flipV="0">
             <a:off x="954006" y="8220703"/>
             <a:ext cx="7947292" cy="33995"/>
           </a:xfrm>
@@ -4807,7 +4807,7 @@
         </p:nvSpPr>
         <p:spPr bwMode="auto">
           <a:xfrm rot="0" flipH="0" flipV="0">
-            <a:off x="-80785" y="710788"/>
+            <a:off x="-80784" y="710787"/>
             <a:ext cx="10586299" cy="782425"/>
           </a:xfrm>
           <a:prstGeom prst="rect">
@@ -4853,14 +4853,14 @@
       </p:sp>
       <p:sp>
         <p:nvSpPr>
-          <p:cNvPr id="2030769096" name="TextBox 6"/>
+          <p:cNvPr id="1565703115" name="TextBox 6"/>
           <p:cNvSpPr txBox="1"/>
           <p:nvPr/>
         </p:nvSpPr>
         <p:spPr bwMode="auto">
           <a:xfrm rot="0" flipH="0" flipV="0">
-            <a:off x="353745" y="9405342"/>
-            <a:ext cx="3409700" cy="782552"/>
+            <a:off x="581143" y="9443439"/>
+            <a:ext cx="3416899" cy="782552"/>
           </a:xfrm>
           <a:prstGeom prst="rect">
             <a:avLst/>
@@ -4887,7 +4887,7 @@
                 <a:ea typeface="Agave"/>
                 <a:cs typeface="Agave"/>
               </a:rPr>
-              <a:t>Why Do I Get Sick?</a:t>
+              <a:t>Health and Happiness</a:t>
             </a:r>
             <a:endParaRPr sz="2600" b="0">
               <a:solidFill>
@@ -5039,8 +5039,8 @@
         </p:nvSpPr>
         <p:spPr bwMode="auto">
           <a:xfrm rot="0" flipH="0" flipV="0">
-            <a:off x="353745" y="9405342"/>
-            <a:ext cx="3409340" cy="782552"/>
+            <a:off x="581144" y="9443439"/>
+            <a:ext cx="3416539" cy="782552"/>
           </a:xfrm>
           <a:prstGeom prst="rect">
             <a:avLst/>
@@ -5067,7 +5067,7 @@
                 <a:ea typeface="Agave"/>
                 <a:cs typeface="Agave"/>
               </a:rPr>
-              <a:t>Why Do I Get Sick?</a:t>
+              <a:t>Health and Happiness</a:t>
             </a:r>
             <a:endParaRPr sz="2600" b="0">
               <a:solidFill>
@@ -5087,8 +5087,8 @@
         </p:nvSpPr>
         <p:spPr bwMode="auto">
           <a:xfrm flipH="0" flipV="0">
-            <a:off x="1136542" y="2140445"/>
-            <a:ext cx="8307155" cy="8229959"/>
+            <a:off x="970765" y="1323642"/>
+            <a:ext cx="8484993" cy="9510120"/>
           </a:xfrm>
           <a:prstGeom prst="rect">
             <a:avLst/>
@@ -5103,17 +5103,7 @@
             <a:pPr>
               <a:defRPr/>
             </a:pPr>
-            <a:r>
-              <a:rPr lang="en-US" sz="2600" b="1" i="0" u="none" strike="noStrike" cap="none" spc="0">
-                <a:solidFill>
-                  <a:schemeClr val="bg1"/>
-                </a:solidFill>
-                <a:latin typeface="Agave"/>
-                <a:cs typeface="Agave"/>
-              </a:rPr>
-              <a:t>Key Takeaways:</a:t>
-            </a:r>
-            <a:endParaRPr sz="2600" b="1" i="0" u="none" strike="noStrike" cap="none" spc="0">
+            <a:endParaRPr sz="2800" b="0" i="0" u="none" strike="noStrike" cap="none" spc="0">
               <a:solidFill>
                 <a:schemeClr val="bg1"/>
               </a:solidFill>
@@ -5122,23 +5112,11 @@
             </a:endParaRPr>
           </a:p>
           <a:p>
-            <a:pPr>
-              <a:defRPr/>
-            </a:pPr>
-            <a:endParaRPr sz="2600" b="0" i="0" u="none" strike="noStrike" cap="none" spc="0">
-              <a:solidFill>
-                <a:schemeClr val="bg1"/>
-              </a:solidFill>
-              <a:latin typeface="Agave"/>
-              <a:cs typeface="Agave"/>
-            </a:endParaRPr>
-          </a:p>
-          <a:p>
             <a:pPr algn="l">
               <a:defRPr/>
             </a:pPr>
             <a:r>
-              <a:rPr lang="en-US" sz="2600" b="0" i="0" u="none" strike="noStrike" cap="none" spc="0">
+              <a:rPr lang="en-US" sz="2800" b="0" i="0" u="none" strike="noStrike" cap="none" spc="0">
                 <a:solidFill>
                   <a:schemeClr val="bg1"/>
                 </a:solidFill>
@@ -5146,9 +5124,9 @@
                 <a:ea typeface="Agave"/>
                 <a:cs typeface="Agave"/>
               </a:rPr>
-              <a:t>Plant and animal proteins affect cardiovascular disease differently.</a:t>
-            </a:r>
-            <a:endParaRPr sz="2800" b="0" i="0" u="none" strike="noStrike" cap="none" spc="0">
+              <a:t>Cardiovascular Disease includes: Heart Attack, Stroke, Irregular Heart Beats</a:t>
+            </a:r>
+            <a:endParaRPr sz="3600" b="0" i="0" u="none" strike="noStrike" cap="none" spc="0">
               <a:solidFill>
                 <a:schemeClr val="bg1"/>
               </a:solidFill>
@@ -5161,7 +5139,7 @@
             <a:pPr algn="l">
               <a:defRPr/>
             </a:pPr>
-            <a:endParaRPr sz="3600">
+            <a:endParaRPr sz="4800">
               <a:solidFill>
                 <a:schemeClr val="bg1"/>
               </a:solidFill>
@@ -5174,7 +5152,7 @@
               <a:defRPr/>
             </a:pPr>
             <a:r>
-              <a:rPr lang="en-US" sz="2600" b="0" i="0" u="none" strike="noStrike" cap="none" spc="0">
+              <a:rPr lang="en-US" sz="2800" b="0" i="0" u="none" strike="noStrike" cap="none" spc="0">
                 <a:solidFill>
                   <a:schemeClr val="bg1"/>
                 </a:solidFill>
@@ -5185,7 +5163,7 @@
               <a:t>A high contribution of </a:t>
             </a:r>
             <a:r>
-              <a:rPr lang="en-US" sz="2600" b="1" i="0" u="none" strike="noStrike" cap="none" spc="0">
+              <a:rPr lang="en-US" sz="2800" b="1" i="0" u="none" strike="noStrike" cap="none" spc="0">
                 <a:solidFill>
                   <a:srgbClr val="EB6F92"/>
                 </a:solidFill>
@@ -5196,7 +5174,7 @@
               <a:t>protein from meat increased risk of cardiovascular disease</a:t>
             </a:r>
             <a:r>
-              <a:rPr lang="en-US" sz="2600" b="0" i="0" u="none" strike="noStrike" cap="none" spc="0">
+              <a:rPr lang="en-US" sz="2800" b="0" i="0" u="none" strike="noStrike" cap="none" spc="0">
                 <a:solidFill>
                   <a:schemeClr val="bg1"/>
                 </a:solidFill>
@@ -5207,7 +5185,7 @@
               <a:t>, </a:t>
             </a:r>
             <a:r>
-              <a:rPr lang="en-US" sz="2600" b="0" i="0" u="none" strike="noStrike" cap="none" spc="0">
+              <a:rPr lang="en-US" sz="2800" b="0" i="0" u="none" strike="noStrike" cap="none" spc="0">
                 <a:solidFill>
                   <a:schemeClr val="bg1"/>
                 </a:solidFill>
@@ -5218,7 +5196,7 @@
               <a:t>whereas a high contribution of </a:t>
             </a:r>
             <a:r>
-              <a:rPr lang="en-US" sz="2600" b="1" i="0" u="none" strike="noStrike" cap="none" spc="0">
+              <a:rPr lang="en-US" sz="2800" b="1" i="0" u="none" strike="noStrike" cap="none" spc="0">
                 <a:solidFill>
                   <a:srgbClr val="EB6F92"/>
                 </a:solidFill>
@@ -5229,7 +5207,7 @@
               <a:t>protein from nuts and seeds is protective</a:t>
             </a:r>
             <a:r>
-              <a:rPr lang="en-US" sz="2600" b="0" i="0" u="none" strike="noStrike" cap="none" spc="0">
+              <a:rPr lang="en-US" sz="2800" b="0" i="0" u="none" strike="noStrike" cap="none" spc="0">
                 <a:solidFill>
                   <a:schemeClr val="bg1"/>
                 </a:solidFill>
@@ -5239,7 +5217,7 @@
               </a:rPr>
               <a:t>.</a:t>
             </a:r>
-            <a:endParaRPr sz="2600" b="0" i="0" u="none" strike="noStrike" cap="none" spc="0">
+            <a:endParaRPr sz="2800" b="0" i="0" u="none" strike="noStrike" cap="none" spc="0">
               <a:solidFill>
                 <a:schemeClr val="bg1"/>
               </a:solidFill>
@@ -5251,7 +5229,7 @@
             <a:pPr algn="l">
               <a:defRPr/>
             </a:pPr>
-            <a:endParaRPr sz="3600">
+            <a:endParaRPr sz="4800">
               <a:solidFill>
                 <a:schemeClr val="bg1"/>
               </a:solidFill>
@@ -5264,7 +5242,7 @@
               <a:defRPr/>
             </a:pPr>
             <a:r>
-              <a:rPr lang="en-US" sz="2600" b="0" i="0" u="none" strike="noStrike" cap="none" spc="0">
+              <a:rPr lang="en-US" sz="2800" b="0" i="0" u="none" strike="noStrike" cap="none" spc="0">
                 <a:solidFill>
                   <a:schemeClr val="bg1"/>
                 </a:solidFill>
@@ -5274,7 +5252,7 @@
               </a:rPr>
               <a:t>These associations were not influenced by other characteristics of the diet, like being vegetarian</a:t>
             </a:r>
-            <a:endParaRPr lang="en-US" sz="2600" b="0" i="0" u="none" strike="noStrike" cap="none" spc="0">
+            <a:endParaRPr lang="en-US" sz="2800" b="0" i="0" u="none" strike="noStrike" cap="none" spc="0">
               <a:solidFill>
                 <a:schemeClr val="bg1"/>
               </a:solidFill>
@@ -5287,7 +5265,7 @@
             <a:pPr>
               <a:defRPr/>
             </a:pPr>
-            <a:endParaRPr lang="en-US" sz="2600" b="0" i="0" u="none" strike="noStrike" cap="none" spc="0">
+            <a:endParaRPr lang="en-US" sz="2800" b="0" i="0" u="none" strike="noStrike" cap="none" spc="0">
               <a:solidFill>
                 <a:schemeClr val="bg1"/>
               </a:solidFill>
@@ -5301,7 +5279,7 @@
               <a:defRPr/>
             </a:pPr>
             <a:r>
-              <a:rPr lang="en-US" sz="2400" b="1" i="0" u="none" strike="noStrike" cap="none" spc="0">
+              <a:rPr lang="en-US" sz="2600" b="1" i="0" u="none" strike="noStrike" cap="none" spc="0">
                 <a:solidFill>
                   <a:srgbClr val="FFC000"/>
                 </a:solidFill>
@@ -5309,9 +5287,9 @@
                 <a:ea typeface="Agave"/>
                 <a:cs typeface="Agave"/>
               </a:rPr>
-              <a:t>If nuts and seeds are protective is there a way I can slowly reduce my meat consumption and increase my consumption of nuts and seeds?</a:t>
-            </a:r>
-            <a:endParaRPr sz="2400" b="1" i="0" u="none" strike="noStrike" cap="none" spc="0">
+              <a:t>How sure am I that my current diet does not put me at risk of developing cardiovascular disease?</a:t>
+            </a:r>
+            <a:endParaRPr lang="en-US" sz="2600" b="1" i="0" u="none" strike="noStrike" cap="none" spc="0">
               <a:solidFill>
                 <a:srgbClr val="FFC000"/>
               </a:solidFill>
@@ -5324,7 +5302,44 @@
             <a:pPr>
               <a:defRPr/>
             </a:pPr>
-            <a:endParaRPr sz="2600" b="0" i="0" u="none" strike="noStrike" cap="none" spc="0">
+            <a:endParaRPr sz="2600" b="1" i="0" u="none" strike="noStrike" cap="none" spc="0">
+              <a:solidFill>
+                <a:srgbClr val="FFC000"/>
+              </a:solidFill>
+              <a:latin typeface="Agave"/>
+              <a:ea typeface="Agave"/>
+              <a:cs typeface="Agave"/>
+            </a:endParaRPr>
+          </a:p>
+          <a:p>
+            <a:pPr>
+              <a:defRPr/>
+            </a:pPr>
+            <a:r>
+              <a:rPr lang="en-US" sz="2600" b="1" i="0" u="none" strike="noStrike" cap="none" spc="0">
+                <a:solidFill>
+                  <a:srgbClr val="FFC000"/>
+                </a:solidFill>
+                <a:latin typeface="Agave"/>
+                <a:ea typeface="Agave"/>
+                <a:cs typeface="Agave"/>
+              </a:rPr>
+              <a:t>Are there any changes I can make to protect myself and where can I learn more about that?</a:t>
+            </a:r>
+            <a:endParaRPr lang="en-US" sz="2600" b="1" i="0" u="none" strike="noStrike" cap="none" spc="0">
+              <a:solidFill>
+                <a:srgbClr val="FFC000"/>
+              </a:solidFill>
+              <a:latin typeface="Agave"/>
+              <a:ea typeface="Agave"/>
+              <a:cs typeface="Agave"/>
+            </a:endParaRPr>
+          </a:p>
+          <a:p>
+            <a:pPr>
+              <a:defRPr/>
+            </a:pPr>
+            <a:endParaRPr sz="2800" b="0" i="0" u="none" strike="noStrike" cap="none" spc="0">
               <a:solidFill>
                 <a:schemeClr val="bg1"/>
               </a:solidFill>
@@ -5336,7 +5351,7 @@
             <a:pPr>
               <a:defRPr/>
             </a:pPr>
-            <a:endParaRPr sz="2600" b="0" i="0" u="none" strike="noStrike" cap="none" spc="0">
+            <a:endParaRPr sz="2800" b="0" i="0" u="none" strike="noStrike" cap="none" spc="0">
               <a:solidFill>
                 <a:schemeClr val="bg1"/>
               </a:solidFill>
@@ -5348,7 +5363,7 @@
             <a:pPr>
               <a:defRPr/>
             </a:pPr>
-            <a:endParaRPr sz="2600" b="0" i="0" u="none" strike="noStrike" cap="none" spc="0">
+            <a:endParaRPr sz="2800" b="0" i="0" u="none" strike="noStrike" cap="none" spc="0">
               <a:solidFill>
                 <a:schemeClr val="bg1"/>
               </a:solidFill>
@@ -5366,8 +5381,8 @@
         </p:nvSpPr>
         <p:spPr bwMode="auto">
           <a:xfrm rot="0" flipH="0" flipV="0">
-            <a:off x="-291597" y="163462"/>
-            <a:ext cx="11005042" cy="782552"/>
+            <a:off x="-291596" y="163461"/>
+            <a:ext cx="11005761" cy="782425"/>
           </a:xfrm>
           <a:prstGeom prst="rect">
             <a:avLst/>
@@ -5609,8 +5624,8 @@
         </p:nvSpPr>
         <p:spPr bwMode="auto">
           <a:xfrm flipH="0" flipV="0">
-            <a:off x="1004105" y="1869804"/>
-            <a:ext cx="8253515" cy="7437479"/>
+            <a:off x="1004103" y="1869804"/>
+            <a:ext cx="8273673" cy="7437479"/>
           </a:xfrm>
           <a:prstGeom prst="rect">
             <a:avLst/>
@@ -5634,9 +5649,20 @@
                 <a:ea typeface="Agave"/>
                 <a:cs typeface="Agave"/>
               </a:rPr>
-              <a:t>From the Health Message:</a:t>
-            </a:r>
-            <a:endParaRPr sz="2400" b="1" i="0" u="none" strike="noStrike" cap="none" spc="0">
+              <a:t>Gen 1:29 </a:t>
+            </a:r>
+            <a:r>
+              <a:rPr lang="en-US" sz="2400" b="1" i="0" u="none" strike="noStrike" cap="none" spc="0">
+                <a:solidFill>
+                  <a:schemeClr val="bg1"/>
+                </a:solidFill>
+                <a:latin typeface="Agave"/>
+                <a:ea typeface="Agave"/>
+                <a:cs typeface="Agave"/>
+              </a:rPr>
+              <a:t>...I have given you every herb bearing seed, which [is] upon the face of all the earth, and every tree, in the which [is] the fruit of a tree yielding seed;</a:t>
+            </a:r>
+            <a:endParaRPr lang="en-US" sz="2400" b="1" i="0" u="none" strike="noStrike" cap="none" spc="0">
               <a:solidFill>
                 <a:schemeClr val="bg1"/>
               </a:solidFill>
@@ -5693,40 +5719,7 @@
                 <a:ea typeface="Agave"/>
                 <a:cs typeface="Agave"/>
               </a:rPr>
-              <a:t> constitute the diet chosen for us by our Creator. These foods, prepared in as simple and natural a manner as possible, are the most healthful and nourishing.</a:t>
-            </a:r>
-            <a:r>
-              <a:rPr lang="en-US" sz="2400" b="0" i="0" u="none" strike="noStrike" cap="none" spc="0">
-                <a:solidFill>
-                  <a:schemeClr val="bg1"/>
-                </a:solidFill>
-                <a:latin typeface="Agave"/>
-                <a:ea typeface="Agave"/>
-                <a:cs typeface="Agave"/>
-              </a:rPr>
-              <a:t>God gave man no permission to eat animal food until after the </a:t>
-            </a:r>
-            <a:r>
-              <a:rPr lang="en-US" sz="2400" b="1" i="0" u="none" strike="noStrike" cap="none" spc="0">
-                <a:solidFill>
-                  <a:schemeClr val="bg1"/>
-                </a:solidFill>
-                <a:latin typeface="Agave"/>
-                <a:ea typeface="Agave"/>
-                <a:cs typeface="Agave"/>
-              </a:rPr>
-              <a:t>flood</a:t>
-            </a:r>
-            <a:r>
-              <a:rPr lang="en-US" sz="2400" b="0" i="0" u="none" strike="noStrike" cap="none" spc="0">
-                <a:solidFill>
-                  <a:schemeClr val="bg1"/>
-                </a:solidFill>
-                <a:latin typeface="Agave"/>
-                <a:ea typeface="Agave"/>
-                <a:cs typeface="Agave"/>
-              </a:rPr>
-              <a:t>.</a:t>
+              <a:t> constitute the diet chosen for us by our Creator.</a:t>
             </a:r>
             <a:endParaRPr lang="en-US" sz="2400" b="0" i="0" u="none" strike="noStrike" cap="none" spc="0">
               <a:solidFill>
@@ -5741,6 +5734,177 @@
             <a:pPr>
               <a:defRPr/>
             </a:pPr>
+            <a:endParaRPr lang="en-US" sz="2400" b="0" i="0" u="none" strike="noStrike" cap="none" spc="0">
+              <a:solidFill>
+                <a:schemeClr val="bg1"/>
+              </a:solidFill>
+              <a:latin typeface="Agave"/>
+              <a:ea typeface="Agave"/>
+              <a:cs typeface="Agave"/>
+            </a:endParaRPr>
+          </a:p>
+          <a:p>
+            <a:pPr>
+              <a:defRPr/>
+            </a:pPr>
+            <a:r>
+              <a:rPr lang="en-US" sz="2400" b="0" i="0" u="none" strike="noStrike" cap="none" spc="0">
+                <a:solidFill>
+                  <a:schemeClr val="bg1"/>
+                </a:solidFill>
+                <a:latin typeface="Agave"/>
+                <a:ea typeface="Agave"/>
+                <a:cs typeface="Agave"/>
+              </a:rPr>
+              <a:t>God gave man no permission to eat animal food until after the </a:t>
+            </a:r>
+            <a:r>
+              <a:rPr lang="en-US" sz="2400" b="1" i="0" u="none" strike="noStrike" cap="none" spc="0">
+                <a:solidFill>
+                  <a:schemeClr val="bg1"/>
+                </a:solidFill>
+                <a:latin typeface="Agave"/>
+                <a:ea typeface="Agave"/>
+                <a:cs typeface="Agave"/>
+              </a:rPr>
+              <a:t>flood</a:t>
+            </a:r>
+            <a:r>
+              <a:rPr lang="en-US" sz="2400" b="0" i="0" u="none" strike="noStrike" cap="none" spc="0">
+                <a:solidFill>
+                  <a:schemeClr val="bg1"/>
+                </a:solidFill>
+                <a:latin typeface="Agave"/>
+                <a:ea typeface="Agave"/>
+                <a:cs typeface="Agave"/>
+              </a:rPr>
+              <a:t>, </a:t>
+            </a:r>
+            <a:r>
+              <a:rPr lang="en-US" sz="2400" b="1" i="0" u="none" strike="noStrike" cap="none" spc="0">
+                <a:solidFill>
+                  <a:srgbClr val="EB6F92"/>
+                </a:solidFill>
+                <a:latin typeface="Agave"/>
+                <a:ea typeface="Agave"/>
+                <a:cs typeface="Agave"/>
+              </a:rPr>
+              <a:t>but </a:t>
+            </a:r>
+            <a:r>
+              <a:rPr lang="en-US" sz="2400" b="1" i="0" u="none" strike="noStrike" cap="none" spc="0">
+                <a:solidFill>
+                  <a:srgbClr val="EB6F92"/>
+                </a:solidFill>
+                <a:latin typeface="Agave"/>
+                <a:ea typeface="Agave"/>
+                <a:cs typeface="Agave"/>
+              </a:rPr>
+              <a:t>animal food was not the most healthful article of food for man</a:t>
+            </a:r>
+            <a:r>
+              <a:rPr lang="en-US" sz="2400" b="0" i="0" u="none" strike="noStrike" cap="none" spc="0">
+                <a:solidFill>
+                  <a:schemeClr val="bg1"/>
+                </a:solidFill>
+                <a:latin typeface="Agave"/>
+                <a:ea typeface="Agave"/>
+                <a:cs typeface="Agave"/>
+              </a:rPr>
+              <a:t>.</a:t>
+            </a:r>
+            <a:endParaRPr lang="en-US" sz="2400" b="0" i="0" u="none" strike="noStrike" cap="none" spc="0">
+              <a:solidFill>
+                <a:schemeClr val="bg1"/>
+              </a:solidFill>
+              <a:latin typeface="Agave"/>
+              <a:ea typeface="Agave"/>
+              <a:cs typeface="Agave"/>
+            </a:endParaRPr>
+          </a:p>
+          <a:p>
+            <a:pPr>
+              <a:defRPr/>
+            </a:pPr>
+            <a:endParaRPr sz="2600" b="0" i="0" u="none" strike="noStrike" cap="none" spc="0">
+              <a:solidFill>
+                <a:schemeClr val="bg1"/>
+              </a:solidFill>
+              <a:latin typeface="Agave"/>
+              <a:cs typeface="Agave"/>
+            </a:endParaRPr>
+          </a:p>
+          <a:p>
+            <a:pPr>
+              <a:defRPr/>
+            </a:pPr>
+            <a:r>
+              <a:rPr lang="en-US" sz="2400" b="0" i="0" u="none" strike="noStrike" cap="none" spc="0">
+                <a:solidFill>
+                  <a:schemeClr val="bg1"/>
+                </a:solidFill>
+                <a:latin typeface="Agave"/>
+                <a:ea typeface="Agave"/>
+                <a:cs typeface="Agave"/>
+              </a:rPr>
+              <a:t>Cancers, tumors, and </a:t>
+            </a:r>
+            <a:r>
+              <a:rPr lang="en-US" sz="2400" b="1" i="0" u="none" strike="noStrike" cap="none" spc="0">
+                <a:solidFill>
+                  <a:srgbClr val="92D050"/>
+                </a:solidFill>
+                <a:latin typeface="Agave"/>
+                <a:ea typeface="Agave"/>
+                <a:cs typeface="Agave"/>
+              </a:rPr>
+              <a:t>pulmonary diseases</a:t>
+            </a:r>
+            <a:r>
+              <a:rPr lang="en-US" sz="2400" b="1" i="0" u="none" strike="noStrike" cap="none" spc="0">
+                <a:solidFill>
+                  <a:schemeClr val="bg1"/>
+                </a:solidFill>
+                <a:latin typeface="Agave"/>
+                <a:ea typeface="Agave"/>
+                <a:cs typeface="Agave"/>
+              </a:rPr>
+              <a:t> </a:t>
+            </a:r>
+            <a:r>
+              <a:rPr lang="en-US" sz="2400" b="1" i="0" u="none" strike="noStrike" cap="none" spc="0">
+                <a:solidFill>
+                  <a:srgbClr val="92D050"/>
+                </a:solidFill>
+                <a:latin typeface="Agave"/>
+                <a:ea typeface="Agave"/>
+                <a:cs typeface="Agave"/>
+              </a:rPr>
+              <a:t>are largely caused by meat eating</a:t>
+            </a:r>
+            <a:r>
+              <a:rPr lang="en-US" sz="2400" b="0" i="0" u="none" strike="noStrike" cap="none" spc="0">
+                <a:solidFill>
+                  <a:schemeClr val="bg1"/>
+                </a:solidFill>
+                <a:latin typeface="Agave"/>
+                <a:ea typeface="Agave"/>
+                <a:cs typeface="Agave"/>
+              </a:rPr>
+              <a:t>.</a:t>
+            </a:r>
+            <a:endParaRPr lang="en-US" sz="2400" b="0" i="0" u="none" strike="noStrike" cap="none" spc="0">
+              <a:solidFill>
+                <a:schemeClr val="bg1"/>
+              </a:solidFill>
+              <a:latin typeface="Agave"/>
+              <a:cs typeface="Agave"/>
+            </a:endParaRPr>
+          </a:p>
+          <a:p>
+            <a:pPr>
+              <a:defRPr/>
+            </a:pPr>
             <a:endParaRPr sz="2400" b="0" i="0" u="none" strike="noStrike" cap="none" spc="0">
               <a:solidFill>
                 <a:schemeClr val="bg1"/>
@@ -5754,138 +5918,39 @@
               <a:defRPr/>
             </a:pPr>
             <a:r>
-              <a:rPr lang="en-US" sz="2400" b="1" i="0" u="none" strike="noStrike" cap="none" spc="0">
-                <a:solidFill>
-                  <a:srgbClr val="EB6F92"/>
+              <a:rPr lang="en-US" sz="2400" b="0" i="0" u="none" strike="noStrike" cap="none" spc="0">
+                <a:solidFill>
+                  <a:schemeClr val="bg1"/>
                 </a:solidFill>
                 <a:latin typeface="Agave"/>
                 <a:ea typeface="Agave"/>
                 <a:cs typeface="Agave"/>
               </a:rPr>
-              <a:t>The </a:t>
-            </a:r>
-            <a:r>
-              <a:rPr lang="en-US" sz="2400" b="1" i="0" u="none" strike="noStrike" cap="none" spc="0">
-                <a:solidFill>
-                  <a:srgbClr val="EB6F92"/>
+              <a:t>...one should be urged </a:t>
+            </a:r>
+            <a:r>
+              <a:rPr lang="en-US" sz="2400" b="0" i="0" u="none" strike="noStrike" cap="none" spc="0">
+                <a:solidFill>
+                  <a:schemeClr val="bg1"/>
                 </a:solidFill>
                 <a:latin typeface="Agave"/>
                 <a:ea typeface="Agave"/>
                 <a:cs typeface="Agave"/>
               </a:rPr>
-              <a:t>Lord</a:t>
-            </a:r>
-            <a:r>
-              <a:rPr lang="en-US" sz="2400" b="1" i="0" u="none" strike="noStrike" cap="none" spc="0">
-                <a:solidFill>
-                  <a:srgbClr val="EB6F92"/>
+              <a:t>to make the change abruptly. The place of meat should be supplied </a:t>
+            </a:r>
+            <a:r>
+              <a:rPr lang="en-US" sz="2400" b="0" i="0" u="none" strike="noStrike" cap="none" spc="0">
+                <a:solidFill>
+                  <a:schemeClr val="bg1"/>
                 </a:solidFill>
                 <a:latin typeface="Agave"/>
                 <a:ea typeface="Agave"/>
                 <a:cs typeface="Agave"/>
               </a:rPr>
-              <a:t> in their necessity gave</a:t>
-            </a:r>
-            <a:r>
-              <a:rPr lang="en-US" sz="2400" b="1" i="0" u="none" strike="noStrike" cap="none" spc="0">
-                <a:solidFill>
-                  <a:srgbClr val="EB6F92"/>
-                </a:solidFill>
-                <a:latin typeface="Agave"/>
-                <a:ea typeface="Agave"/>
-                <a:cs typeface="Agave"/>
-              </a:rPr>
-              <a:t> </a:t>
-            </a:r>
-            <a:r>
-              <a:rPr lang="en-US" sz="2400" b="1" i="0" u="none" strike="noStrike" cap="none" spc="0">
-                <a:solidFill>
-                  <a:srgbClr val="EB6F92"/>
-                </a:solidFill>
-                <a:latin typeface="Agave"/>
-                <a:ea typeface="Agave"/>
-                <a:cs typeface="Agave"/>
-              </a:rPr>
-              <a:t>Noah permission to eat</a:t>
-            </a:r>
-            <a:r>
-              <a:rPr lang="en-US" sz="2400" b="0" i="0" u="none" strike="noStrike" cap="none" spc="0">
-                <a:solidFill>
-                  <a:schemeClr val="bg1"/>
-                </a:solidFill>
-                <a:latin typeface="Agave"/>
-                <a:ea typeface="Agave"/>
-                <a:cs typeface="Agave"/>
-              </a:rPr>
-              <a:t> </a:t>
-            </a:r>
-            <a:r>
-              <a:rPr lang="en-US" sz="2400" b="0" i="0" u="none" strike="noStrike" cap="none" spc="0">
-                <a:solidFill>
-                  <a:schemeClr val="bg1"/>
-                </a:solidFill>
-                <a:latin typeface="Agave"/>
-                <a:ea typeface="Agave"/>
-                <a:cs typeface="Agave"/>
-              </a:rPr>
-              <a:t>of the </a:t>
-            </a:r>
-            <a:r>
-              <a:rPr lang="en-US" sz="2400" b="1" i="0" u="none" strike="noStrike" cap="none" spc="0">
-                <a:solidFill>
-                  <a:srgbClr val="EB6F92"/>
-                </a:solidFill>
-                <a:latin typeface="Agave"/>
-                <a:ea typeface="Agave"/>
-                <a:cs typeface="Agave"/>
-              </a:rPr>
-              <a:t>clean </a:t>
-            </a:r>
-            <a:r>
-              <a:rPr lang="en-US" sz="2400" b="0" i="0" u="none" strike="noStrike" cap="none" spc="0">
-                <a:solidFill>
-                  <a:schemeClr val="bg1"/>
-                </a:solidFill>
-                <a:latin typeface="Agave"/>
-                <a:ea typeface="Agave"/>
-                <a:cs typeface="Agave"/>
-              </a:rPr>
-              <a:t>animals which he had taken with him into the ark, </a:t>
-            </a:r>
-            <a:r>
-              <a:rPr lang="en-US" sz="2400" b="1" i="0" u="none" strike="noStrike" cap="none" spc="0">
-                <a:solidFill>
-                  <a:srgbClr val="EB6F92"/>
-                </a:solidFill>
-                <a:latin typeface="Agave"/>
-                <a:ea typeface="Agave"/>
-                <a:cs typeface="Agave"/>
-              </a:rPr>
-              <a:t>but </a:t>
-            </a:r>
-            <a:r>
-              <a:rPr lang="en-US" sz="2400" b="1" i="0" u="none" strike="noStrike" cap="none" spc="0">
-                <a:solidFill>
-                  <a:srgbClr val="EB6F92"/>
-                </a:solidFill>
-                <a:latin typeface="Agave"/>
-                <a:ea typeface="Agave"/>
-                <a:cs typeface="Agave"/>
-              </a:rPr>
-              <a:t>animal food was not the most healthful article of food for man</a:t>
-            </a:r>
-            <a:r>
-              <a:rPr lang="en-US" sz="2400" b="0" i="0" u="none" strike="noStrike" cap="none" spc="0">
-                <a:solidFill>
-                  <a:schemeClr val="bg1"/>
-                </a:solidFill>
-                <a:latin typeface="Agave"/>
-                <a:ea typeface="Agave"/>
-                <a:cs typeface="Agave"/>
-              </a:rPr>
-              <a:t>.</a:t>
-            </a:r>
-            <a:endParaRPr sz="2400" b="0" i="0" u="none" strike="noStrike" cap="none" spc="0">
+              <a:t>with wholesome foods that are inexpensive.</a:t>
+            </a:r>
+            <a:endParaRPr lang="en-US" sz="2400" b="0" i="0" u="none" strike="noStrike" cap="none" spc="0">
               <a:solidFill>
                 <a:schemeClr val="bg1"/>
               </a:solidFill>
@@ -5898,98 +5963,7 @@
             <a:pPr>
               <a:defRPr/>
             </a:pPr>
-            <a:endParaRPr sz="2600" b="0" i="0" u="none" strike="noStrike" cap="none" spc="0">
-              <a:solidFill>
-                <a:schemeClr val="bg1"/>
-              </a:solidFill>
-              <a:latin typeface="Agave"/>
-              <a:cs typeface="Agave"/>
-            </a:endParaRPr>
-          </a:p>
-          <a:p>
-            <a:pPr>
-              <a:defRPr/>
-            </a:pPr>
-            <a:r>
-              <a:rPr lang="en-US" sz="2400" b="0" i="0" u="none" strike="noStrike" cap="none" spc="0">
-                <a:solidFill>
-                  <a:schemeClr val="bg1"/>
-                </a:solidFill>
-                <a:latin typeface="Agave"/>
-                <a:ea typeface="Agave"/>
-                <a:cs typeface="Agave"/>
-              </a:rPr>
-              <a:t>Worldly physicians cannot account for the rapid increase </a:t>
-            </a:r>
-            <a:r>
-              <a:rPr lang="en-US" sz="2400" b="0" i="0" u="none" strike="noStrike" cap="none" spc="0">
-                <a:solidFill>
-                  <a:schemeClr val="bg1"/>
-                </a:solidFill>
-                <a:latin typeface="Agave"/>
-                <a:ea typeface="Agave"/>
-                <a:cs typeface="Agave"/>
-              </a:rPr>
-              <a:t>of disease among the human family. But we know that </a:t>
-            </a:r>
-            <a:r>
-              <a:rPr lang="en-US" sz="2400" b="1" i="0" u="none" strike="noStrike" cap="none" spc="0">
-                <a:solidFill>
-                  <a:srgbClr val="FFC000"/>
-                </a:solidFill>
-                <a:latin typeface="Agave"/>
-                <a:ea typeface="Agave"/>
-                <a:cs typeface="Agave"/>
-              </a:rPr>
-              <a:t>much of this </a:t>
-            </a:r>
-            <a:r>
-              <a:rPr lang="en-US" sz="2400" b="1" i="0" u="none" strike="noStrike" cap="none" spc="0">
-                <a:solidFill>
-                  <a:srgbClr val="FFC000"/>
-                </a:solidFill>
-                <a:latin typeface="Agave"/>
-                <a:ea typeface="Agave"/>
-                <a:cs typeface="Agave"/>
-              </a:rPr>
-              <a:t>suffering is caused by the eating of dead fles</a:t>
-            </a:r>
-            <a:r>
-              <a:rPr lang="en-US" sz="2400" b="1" i="0" u="none" strike="noStrike" cap="none" spc="0">
-                <a:solidFill>
-                  <a:srgbClr val="FFC000"/>
-                </a:solidFill>
-                <a:latin typeface="Agave"/>
-                <a:ea typeface="Agave"/>
-                <a:cs typeface="Agave"/>
-              </a:rPr>
-              <a:t>h</a:t>
-            </a:r>
-            <a:r>
-              <a:rPr lang="en-US" sz="2400" b="0" i="0" u="none" strike="noStrike" cap="none" spc="0">
-                <a:solidFill>
-                  <a:schemeClr val="bg1"/>
-                </a:solidFill>
-                <a:latin typeface="Agave"/>
-                <a:ea typeface="Agave"/>
-                <a:cs typeface="Agave"/>
-              </a:rPr>
-              <a:t>.—Letter 83, 1901</a:t>
-            </a:r>
-            <a:endParaRPr sz="2400" b="0" i="0" u="none" strike="noStrike" cap="none" spc="0">
-              <a:solidFill>
-                <a:schemeClr val="bg1"/>
-              </a:solidFill>
-              <a:latin typeface="Agave"/>
-              <a:ea typeface="Agave"/>
-              <a:cs typeface="Agave"/>
-            </a:endParaRPr>
-          </a:p>
-          <a:p>
-            <a:pPr>
-              <a:defRPr/>
-            </a:pPr>
-            <a:endParaRPr sz="2400" b="0" i="0" u="none" strike="noStrike" cap="none" spc="0">
+            <a:endParaRPr lang="en-US" sz="2400" b="0" i="0" u="none" strike="noStrike" cap="none" spc="0">
               <a:solidFill>
                 <a:schemeClr val="bg1"/>
               </a:solidFill>
@@ -6135,14 +6109,14 @@
       </p:sp>
       <p:sp>
         <p:nvSpPr>
-          <p:cNvPr id="411005085" name="TextBox 6"/>
+          <p:cNvPr id="1733689248" name="TextBox 6"/>
           <p:cNvSpPr txBox="1"/>
           <p:nvPr/>
         </p:nvSpPr>
         <p:spPr bwMode="auto">
           <a:xfrm rot="0" flipH="0" flipV="0">
-            <a:off x="353745" y="9405342"/>
-            <a:ext cx="3409700" cy="782552"/>
+            <a:off x="581143" y="9443439"/>
+            <a:ext cx="3416899" cy="782552"/>
           </a:xfrm>
           <a:prstGeom prst="rect">
             <a:avLst/>
@@ -6169,7 +6143,7 @@
                 <a:ea typeface="Agave"/>
                 <a:cs typeface="Agave"/>
               </a:rPr>
-              <a:t>Why Do I Get Sick?</a:t>
+              <a:t>Health and Happiness</a:t>
             </a:r>
             <a:endParaRPr sz="2600" b="0">
               <a:solidFill>
